--- a/Machine Learning in the Housing Market.pptx
+++ b/Machine Learning in the Housing Market.pptx
@@ -1248,7 +1248,7 @@
           <a:p>
             <a:fld id="{72345051-2045-45DA-935E-2E3CA1A69ADC}" type="datetimeFigureOut">
               <a:rPr lang="en-US" smtClean="0"/>
-              <a:t>6/1/2020</a:t>
+              <a:t>7/24/2020</a:t>
             </a:fld>
             <a:endParaRPr lang="en-US"/>
           </a:p>
@@ -1446,7 +1446,7 @@
           <a:p>
             <a:fld id="{72345051-2045-45DA-935E-2E3CA1A69ADC}" type="datetimeFigureOut">
               <a:rPr lang="en-US" smtClean="0"/>
-              <a:t>6/1/2020</a:t>
+              <a:t>7/24/2020</a:t>
             </a:fld>
             <a:endParaRPr lang="en-US"/>
           </a:p>
@@ -1654,7 +1654,7 @@
           <a:p>
             <a:fld id="{72345051-2045-45DA-935E-2E3CA1A69ADC}" type="datetimeFigureOut">
               <a:rPr lang="en-US" smtClean="0"/>
-              <a:t>6/1/2020</a:t>
+              <a:t>7/24/2020</a:t>
             </a:fld>
             <a:endParaRPr lang="en-US"/>
           </a:p>
@@ -1877,7 +1877,7 @@
           <a:p>
             <a:fld id="{72345051-2045-45DA-935E-2E3CA1A69ADC}" type="datetimeFigureOut">
               <a:rPr lang="en-US" smtClean="0"/>
-              <a:t>6/1/2020</a:t>
+              <a:t>7/24/2020</a:t>
             </a:fld>
             <a:endParaRPr lang="en-US"/>
           </a:p>
@@ -2788,7 +2788,7 @@
           <a:p>
             <a:fld id="{72345051-2045-45DA-935E-2E3CA1A69ADC}" type="datetimeFigureOut">
               <a:rPr lang="en-US" smtClean="0"/>
-              <a:t>6/1/2020</a:t>
+              <a:t>7/24/2020</a:t>
             </a:fld>
             <a:endParaRPr lang="en-US"/>
           </a:p>
@@ -3392,7 +3392,7 @@
           <a:p>
             <a:fld id="{72345051-2045-45DA-935E-2E3CA1A69ADC}" type="datetimeFigureOut">
               <a:rPr lang="en-US" smtClean="0"/>
-              <a:t>6/1/2020</a:t>
+              <a:t>7/24/2020</a:t>
             </a:fld>
             <a:endParaRPr lang="en-US"/>
           </a:p>
@@ -4441,7 +4441,7 @@
           <a:p>
             <a:fld id="{72345051-2045-45DA-935E-2E3CA1A69ADC}" type="datetimeFigureOut">
               <a:rPr lang="en-US" smtClean="0"/>
-              <a:t>6/1/2020</a:t>
+              <a:t>7/24/2020</a:t>
             </a:fld>
             <a:endParaRPr lang="en-US"/>
           </a:p>
@@ -5225,7 +5225,7 @@
           <a:p>
             <a:fld id="{72345051-2045-45DA-935E-2E3CA1A69ADC}" type="datetimeFigureOut">
               <a:rPr lang="en-US" smtClean="0"/>
-              <a:t>6/1/2020</a:t>
+              <a:t>7/24/2020</a:t>
             </a:fld>
             <a:endParaRPr lang="en-US"/>
           </a:p>
@@ -5674,7 +5674,7 @@
           <a:p>
             <a:fld id="{72345051-2045-45DA-935E-2E3CA1A69ADC}" type="datetimeFigureOut">
               <a:rPr lang="en-US" smtClean="0"/>
-              <a:t>6/1/2020</a:t>
+              <a:t>7/24/2020</a:t>
             </a:fld>
             <a:endParaRPr lang="en-US"/>
           </a:p>
@@ -5991,7 +5991,7 @@
           <a:p>
             <a:fld id="{72345051-2045-45DA-935E-2E3CA1A69ADC}" type="datetimeFigureOut">
               <a:rPr lang="en-US" smtClean="0"/>
-              <a:t>6/1/2020</a:t>
+              <a:t>7/24/2020</a:t>
             </a:fld>
             <a:endParaRPr lang="en-US"/>
           </a:p>
@@ -6619,7 +6619,7 @@
           <a:p>
             <a:fld id="{72345051-2045-45DA-935E-2E3CA1A69ADC}" type="datetimeFigureOut">
               <a:rPr lang="en-US" smtClean="0"/>
-              <a:t>6/1/2020</a:t>
+              <a:t>7/24/2020</a:t>
             </a:fld>
             <a:endParaRPr lang="en-US"/>
           </a:p>
@@ -7194,7 +7194,7 @@
           <a:p>
             <a:fld id="{72345051-2045-45DA-935E-2E3CA1A69ADC}" type="datetimeFigureOut">
               <a:rPr lang="en-US" smtClean="0"/>
-              <a:t>6/1/2020</a:t>
+              <a:t>7/24/2020</a:t>
             </a:fld>
             <a:endParaRPr lang="en-US"/>
           </a:p>
@@ -9027,7 +9027,7 @@
               <a:rPr lang="en-US" dirty="0">
                 <a:latin typeface="Arial Narrow" panose="020B0606020202030204" pitchFamily="34" charset="0"/>
               </a:rPr>
-              <a:t>We Have built a housing tool that takes user input about qualities of a house they are interested in and returns a predicted price based on those inputs using the following tools…</a:t>
+              <a:t>We Have built a housing tool that takes user input about qualities of a house they are interested in and returns a predicted price based on those inputs using the these tools…</a:t>
             </a:r>
           </a:p>
           <a:p>

--- a/Machine Learning in the Housing Market.pptx
+++ b/Machine Learning in the Housing Market.pptx
@@ -1248,7 +1248,7 @@
           <a:p>
             <a:fld id="{72345051-2045-45DA-935E-2E3CA1A69ADC}" type="datetimeFigureOut">
               <a:rPr lang="en-US" smtClean="0"/>
-              <a:t>7/24/2020</a:t>
+              <a:t>6/1/2020</a:t>
             </a:fld>
             <a:endParaRPr lang="en-US"/>
           </a:p>
@@ -1446,7 +1446,7 @@
           <a:p>
             <a:fld id="{72345051-2045-45DA-935E-2E3CA1A69ADC}" type="datetimeFigureOut">
               <a:rPr lang="en-US" smtClean="0"/>
-              <a:t>7/24/2020</a:t>
+              <a:t>6/1/2020</a:t>
             </a:fld>
             <a:endParaRPr lang="en-US"/>
           </a:p>
@@ -1654,7 +1654,7 @@
           <a:p>
             <a:fld id="{72345051-2045-45DA-935E-2E3CA1A69ADC}" type="datetimeFigureOut">
               <a:rPr lang="en-US" smtClean="0"/>
-              <a:t>7/24/2020</a:t>
+              <a:t>6/1/2020</a:t>
             </a:fld>
             <a:endParaRPr lang="en-US"/>
           </a:p>
@@ -1877,7 +1877,7 @@
           <a:p>
             <a:fld id="{72345051-2045-45DA-935E-2E3CA1A69ADC}" type="datetimeFigureOut">
               <a:rPr lang="en-US" smtClean="0"/>
-              <a:t>7/24/2020</a:t>
+              <a:t>6/1/2020</a:t>
             </a:fld>
             <a:endParaRPr lang="en-US"/>
           </a:p>
@@ -2788,7 +2788,7 @@
           <a:p>
             <a:fld id="{72345051-2045-45DA-935E-2E3CA1A69ADC}" type="datetimeFigureOut">
               <a:rPr lang="en-US" smtClean="0"/>
-              <a:t>7/24/2020</a:t>
+              <a:t>6/1/2020</a:t>
             </a:fld>
             <a:endParaRPr lang="en-US"/>
           </a:p>
@@ -3392,7 +3392,7 @@
           <a:p>
             <a:fld id="{72345051-2045-45DA-935E-2E3CA1A69ADC}" type="datetimeFigureOut">
               <a:rPr lang="en-US" smtClean="0"/>
-              <a:t>7/24/2020</a:t>
+              <a:t>6/1/2020</a:t>
             </a:fld>
             <a:endParaRPr lang="en-US"/>
           </a:p>
@@ -4441,7 +4441,7 @@
           <a:p>
             <a:fld id="{72345051-2045-45DA-935E-2E3CA1A69ADC}" type="datetimeFigureOut">
               <a:rPr lang="en-US" smtClean="0"/>
-              <a:t>7/24/2020</a:t>
+              <a:t>6/1/2020</a:t>
             </a:fld>
             <a:endParaRPr lang="en-US"/>
           </a:p>
@@ -5225,7 +5225,7 @@
           <a:p>
             <a:fld id="{72345051-2045-45DA-935E-2E3CA1A69ADC}" type="datetimeFigureOut">
               <a:rPr lang="en-US" smtClean="0"/>
-              <a:t>7/24/2020</a:t>
+              <a:t>6/1/2020</a:t>
             </a:fld>
             <a:endParaRPr lang="en-US"/>
           </a:p>
@@ -5674,7 +5674,7 @@
           <a:p>
             <a:fld id="{72345051-2045-45DA-935E-2E3CA1A69ADC}" type="datetimeFigureOut">
               <a:rPr lang="en-US" smtClean="0"/>
-              <a:t>7/24/2020</a:t>
+              <a:t>6/1/2020</a:t>
             </a:fld>
             <a:endParaRPr lang="en-US"/>
           </a:p>
@@ -5991,7 +5991,7 @@
           <a:p>
             <a:fld id="{72345051-2045-45DA-935E-2E3CA1A69ADC}" type="datetimeFigureOut">
               <a:rPr lang="en-US" smtClean="0"/>
-              <a:t>7/24/2020</a:t>
+              <a:t>6/1/2020</a:t>
             </a:fld>
             <a:endParaRPr lang="en-US"/>
           </a:p>
@@ -6619,7 +6619,7 @@
           <a:p>
             <a:fld id="{72345051-2045-45DA-935E-2E3CA1A69ADC}" type="datetimeFigureOut">
               <a:rPr lang="en-US" smtClean="0"/>
-              <a:t>7/24/2020</a:t>
+              <a:t>6/1/2020</a:t>
             </a:fld>
             <a:endParaRPr lang="en-US"/>
           </a:p>
@@ -7194,7 +7194,7 @@
           <a:p>
             <a:fld id="{72345051-2045-45DA-935E-2E3CA1A69ADC}" type="datetimeFigureOut">
               <a:rPr lang="en-US" smtClean="0"/>
-              <a:t>7/24/2020</a:t>
+              <a:t>6/1/2020</a:t>
             </a:fld>
             <a:endParaRPr lang="en-US"/>
           </a:p>
@@ -9027,7 +9027,7 @@
               <a:rPr lang="en-US" dirty="0">
                 <a:latin typeface="Arial Narrow" panose="020B0606020202030204" pitchFamily="34" charset="0"/>
               </a:rPr>
-              <a:t>We Have built a housing tool that takes user input about qualities of a house they are interested in and returns a predicted price based on those inputs using the these tools…</a:t>
+              <a:t>We Have built a housing tool that takes user input about qualities of a house they are interested in and returns a predicted price based on those inputs using the following tools…</a:t>
             </a:r>
           </a:p>
           <a:p>
